--- a/02-24-21_Meeting.pptx
+++ b/02-24-21_Meeting.pptx
@@ -5,7 +5,7 @@
     <p:sldMasterId id="2147483648" r:id="rId1"/>
   </p:sldMasterIdLst>
   <p:notesMasterIdLst>
-    <p:notesMasterId r:id="rId13"/>
+    <p:notesMasterId r:id="rId14"/>
   </p:notesMasterIdLst>
   <p:sldIdLst>
     <p:sldId id="256" r:id="rId2"/>
@@ -19,6 +19,7 @@
     <p:sldId id="264" r:id="rId10"/>
     <p:sldId id="265" r:id="rId11"/>
     <p:sldId id="266" r:id="rId12"/>
+    <p:sldId id="267" r:id="rId13"/>
   </p:sldIdLst>
   <p:sldSz cx="12192000" cy="6858000"/>
   <p:notesSz cx="6858000" cy="9144000"/>
@@ -117,6 +118,11 @@
       </a:defRPr>
     </a:lvl9pPr>
   </p:defaultTextStyle>
+  <p:extLst>
+    <p:ext uri="{EFAFB233-063F-42B5-8137-9DF3F51BA10A}">
+      <p15:sldGuideLst xmlns:p15="http://schemas.microsoft.com/office/powerpoint/2012/main"/>
+    </p:ext>
+  </p:extLst>
 </p:presentation>
 </file>
 
@@ -202,7 +208,7 @@
           <a:p>
             <a:fld id="{C641FE20-8F69-4F1A-9FFA-AF460F59BF9D}" type="datetimeFigureOut">
               <a:rPr lang="zh-CN" altLang="en-US" smtClean="0"/>
-              <a:t>2021/2/24</a:t>
+              <a:t>2021/2/25</a:t>
             </a:fld>
             <a:endParaRPr lang="zh-CN" altLang="en-US"/>
           </a:p>
@@ -721,6 +727,90 @@
 </p:notes>
 </file>
 
+<file path=ppt/notesSlides/notesSlide4.xml><?xml version="1.0" encoding="utf-8"?>
+<p:notes xmlns:a="http://schemas.openxmlformats.org/drawingml/2006/main" xmlns:r="http://schemas.openxmlformats.org/officeDocument/2006/relationships" xmlns:p="http://schemas.openxmlformats.org/presentationml/2006/main">
+  <p:cSld>
+    <p:spTree>
+      <p:nvGrpSpPr>
+        <p:cNvPr id="1" name=""/>
+        <p:cNvGrpSpPr/>
+        <p:nvPr/>
+      </p:nvGrpSpPr>
+      <p:grpSpPr>
+        <a:xfrm>
+          <a:off x="0" y="0"/>
+          <a:ext cx="0" cy="0"/>
+          <a:chOff x="0" y="0"/>
+          <a:chExt cx="0" cy="0"/>
+        </a:xfrm>
+      </p:grpSpPr>
+      <p:sp>
+        <p:nvSpPr>
+          <p:cNvPr id="2" name="幻灯片图像占位符 1"/>
+          <p:cNvSpPr>
+            <a:spLocks noGrp="1" noRot="1" noChangeAspect="1"/>
+          </p:cNvSpPr>
+          <p:nvPr>
+            <p:ph type="sldImg"/>
+          </p:nvPr>
+        </p:nvSpPr>
+        <p:spPr/>
+      </p:sp>
+      <p:sp>
+        <p:nvSpPr>
+          <p:cNvPr id="3" name="备注占位符 2"/>
+          <p:cNvSpPr>
+            <a:spLocks noGrp="1"/>
+          </p:cNvSpPr>
+          <p:nvPr>
+            <p:ph type="body" idx="1"/>
+          </p:nvPr>
+        </p:nvSpPr>
+        <p:spPr/>
+        <p:txBody>
+          <a:bodyPr/>
+          <a:lstStyle/>
+          <a:p>
+            <a:endParaRPr lang="zh-CN" altLang="en-US" dirty="0"/>
+          </a:p>
+        </p:txBody>
+      </p:sp>
+      <p:sp>
+        <p:nvSpPr>
+          <p:cNvPr id="4" name="灯片编号占位符 3"/>
+          <p:cNvSpPr>
+            <a:spLocks noGrp="1"/>
+          </p:cNvSpPr>
+          <p:nvPr>
+            <p:ph type="sldNum" sz="quarter" idx="5"/>
+          </p:nvPr>
+        </p:nvSpPr>
+        <p:spPr/>
+        <p:txBody>
+          <a:bodyPr/>
+          <a:lstStyle/>
+          <a:p>
+            <a:fld id="{CDFC9D38-CCD4-40C9-85E1-EE3A92F83272}" type="slidenum">
+              <a:rPr lang="zh-CN" altLang="en-US" smtClean="0"/>
+              <a:t>12</a:t>
+            </a:fld>
+            <a:endParaRPr lang="zh-CN" altLang="en-US"/>
+          </a:p>
+        </p:txBody>
+      </p:sp>
+    </p:spTree>
+    <p:extLst>
+      <p:ext uri="{BB962C8B-B14F-4D97-AF65-F5344CB8AC3E}">
+        <p14:creationId xmlns:p14="http://schemas.microsoft.com/office/powerpoint/2010/main" val="1505086004"/>
+      </p:ext>
+    </p:extLst>
+  </p:cSld>
+  <p:clrMapOvr>
+    <a:masterClrMapping/>
+  </p:clrMapOvr>
+</p:notes>
+</file>
+
 <file path=ppt/slideLayouts/slideLayout1.xml><?xml version="1.0" encoding="utf-8"?>
 <p:sldLayout xmlns:a="http://schemas.openxmlformats.org/drawingml/2006/main" xmlns:r="http://schemas.openxmlformats.org/officeDocument/2006/relationships" xmlns:p="http://schemas.openxmlformats.org/presentationml/2006/main" type="title" preserve="1">
   <p:cSld name="标题幻灯片">
@@ -868,7 +958,7 @@
           <a:p>
             <a:fld id="{399438DF-2BB6-4676-A00A-A6FE608D11F6}" type="datetimeFigureOut">
               <a:rPr lang="zh-CN" altLang="en-US" smtClean="0"/>
-              <a:t>2021/2/24</a:t>
+              <a:t>2021/2/25</a:t>
             </a:fld>
             <a:endParaRPr lang="zh-CN" altLang="en-US"/>
           </a:p>
@@ -1066,7 +1156,7 @@
           <a:p>
             <a:fld id="{399438DF-2BB6-4676-A00A-A6FE608D11F6}" type="datetimeFigureOut">
               <a:rPr lang="zh-CN" altLang="en-US" smtClean="0"/>
-              <a:t>2021/2/24</a:t>
+              <a:t>2021/2/25</a:t>
             </a:fld>
             <a:endParaRPr lang="zh-CN" altLang="en-US"/>
           </a:p>
@@ -1274,7 +1364,7 @@
           <a:p>
             <a:fld id="{399438DF-2BB6-4676-A00A-A6FE608D11F6}" type="datetimeFigureOut">
               <a:rPr lang="zh-CN" altLang="en-US" smtClean="0"/>
-              <a:t>2021/2/24</a:t>
+              <a:t>2021/2/25</a:t>
             </a:fld>
             <a:endParaRPr lang="zh-CN" altLang="en-US"/>
           </a:p>
@@ -1472,7 +1562,7 @@
           <a:p>
             <a:fld id="{399438DF-2BB6-4676-A00A-A6FE608D11F6}" type="datetimeFigureOut">
               <a:rPr lang="zh-CN" altLang="en-US" smtClean="0"/>
-              <a:t>2021/2/24</a:t>
+              <a:t>2021/2/25</a:t>
             </a:fld>
             <a:endParaRPr lang="zh-CN" altLang="en-US"/>
           </a:p>
@@ -1747,7 +1837,7 @@
           <a:p>
             <a:fld id="{399438DF-2BB6-4676-A00A-A6FE608D11F6}" type="datetimeFigureOut">
               <a:rPr lang="zh-CN" altLang="en-US" smtClean="0"/>
-              <a:t>2021/2/24</a:t>
+              <a:t>2021/2/25</a:t>
             </a:fld>
             <a:endParaRPr lang="zh-CN" altLang="en-US"/>
           </a:p>
@@ -2012,7 +2102,7 @@
           <a:p>
             <a:fld id="{399438DF-2BB6-4676-A00A-A6FE608D11F6}" type="datetimeFigureOut">
               <a:rPr lang="zh-CN" altLang="en-US" smtClean="0"/>
-              <a:t>2021/2/24</a:t>
+              <a:t>2021/2/25</a:t>
             </a:fld>
             <a:endParaRPr lang="zh-CN" altLang="en-US"/>
           </a:p>
@@ -2424,7 +2514,7 @@
           <a:p>
             <a:fld id="{399438DF-2BB6-4676-A00A-A6FE608D11F6}" type="datetimeFigureOut">
               <a:rPr lang="zh-CN" altLang="en-US" smtClean="0"/>
-              <a:t>2021/2/24</a:t>
+              <a:t>2021/2/25</a:t>
             </a:fld>
             <a:endParaRPr lang="zh-CN" altLang="en-US"/>
           </a:p>
@@ -2565,7 +2655,7 @@
           <a:p>
             <a:fld id="{399438DF-2BB6-4676-A00A-A6FE608D11F6}" type="datetimeFigureOut">
               <a:rPr lang="zh-CN" altLang="en-US" smtClean="0"/>
-              <a:t>2021/2/24</a:t>
+              <a:t>2021/2/25</a:t>
             </a:fld>
             <a:endParaRPr lang="zh-CN" altLang="en-US"/>
           </a:p>
@@ -2678,7 +2768,7 @@
           <a:p>
             <a:fld id="{399438DF-2BB6-4676-A00A-A6FE608D11F6}" type="datetimeFigureOut">
               <a:rPr lang="zh-CN" altLang="en-US" smtClean="0"/>
-              <a:t>2021/2/24</a:t>
+              <a:t>2021/2/25</a:t>
             </a:fld>
             <a:endParaRPr lang="zh-CN" altLang="en-US"/>
           </a:p>
@@ -2989,7 +3079,7 @@
           <a:p>
             <a:fld id="{399438DF-2BB6-4676-A00A-A6FE608D11F6}" type="datetimeFigureOut">
               <a:rPr lang="zh-CN" altLang="en-US" smtClean="0"/>
-              <a:t>2021/2/24</a:t>
+              <a:t>2021/2/25</a:t>
             </a:fld>
             <a:endParaRPr lang="zh-CN" altLang="en-US"/>
           </a:p>
@@ -3277,7 +3367,7 @@
           <a:p>
             <a:fld id="{399438DF-2BB6-4676-A00A-A6FE608D11F6}" type="datetimeFigureOut">
               <a:rPr lang="zh-CN" altLang="en-US" smtClean="0"/>
-              <a:t>2021/2/24</a:t>
+              <a:t>2021/2/25</a:t>
             </a:fld>
             <a:endParaRPr lang="zh-CN" altLang="en-US"/>
           </a:p>
@@ -3518,7 +3608,7 @@
           <a:p>
             <a:fld id="{399438DF-2BB6-4676-A00A-A6FE608D11F6}" type="datetimeFigureOut">
               <a:rPr lang="zh-CN" altLang="en-US" smtClean="0"/>
-              <a:t>2021/2/24</a:t>
+              <a:t>2021/2/25</a:t>
             </a:fld>
             <a:endParaRPr lang="zh-CN" altLang="en-US"/>
           </a:p>
@@ -4357,6 +4447,102 @@
 </p:sld>
 </file>
 
+<file path=ppt/slides/slide12.xml><?xml version="1.0" encoding="utf-8"?>
+<p:sld xmlns:a="http://schemas.openxmlformats.org/drawingml/2006/main" xmlns:r="http://schemas.openxmlformats.org/officeDocument/2006/relationships" xmlns:p="http://schemas.openxmlformats.org/presentationml/2006/main">
+  <p:cSld>
+    <p:spTree>
+      <p:nvGrpSpPr>
+        <p:cNvPr id="1" name=""/>
+        <p:cNvGrpSpPr/>
+        <p:nvPr/>
+      </p:nvGrpSpPr>
+      <p:grpSpPr>
+        <a:xfrm>
+          <a:off x="0" y="0"/>
+          <a:ext cx="0" cy="0"/>
+          <a:chOff x="0" y="0"/>
+          <a:chExt cx="0" cy="0"/>
+        </a:xfrm>
+      </p:grpSpPr>
+      <p:sp>
+        <p:nvSpPr>
+          <p:cNvPr id="2" name="标题 1">
+            <a:extLst>
+              <a:ext uri="{FF2B5EF4-FFF2-40B4-BE49-F238E27FC236}">
+                <a16:creationId xmlns:a16="http://schemas.microsoft.com/office/drawing/2014/main" id="{055CE0E1-4B08-4636-BD78-520C6C7A43F2}"/>
+              </a:ext>
+            </a:extLst>
+          </p:cNvPr>
+          <p:cNvSpPr>
+            <a:spLocks noGrp="1"/>
+          </p:cNvSpPr>
+          <p:nvPr>
+            <p:ph type="title"/>
+          </p:nvPr>
+        </p:nvSpPr>
+        <p:spPr/>
+        <p:txBody>
+          <a:bodyPr/>
+          <a:lstStyle/>
+          <a:p>
+            <a:r>
+              <a:rPr lang="en-US" altLang="zh-CN" dirty="0"/>
+              <a:t>To-do</a:t>
+            </a:r>
+            <a:endParaRPr lang="zh-CN" altLang="en-US" dirty="0"/>
+          </a:p>
+        </p:txBody>
+      </p:sp>
+      <p:sp>
+        <p:nvSpPr>
+          <p:cNvPr id="3" name="内容占位符 2">
+            <a:extLst>
+              <a:ext uri="{FF2B5EF4-FFF2-40B4-BE49-F238E27FC236}">
+                <a16:creationId xmlns:a16="http://schemas.microsoft.com/office/drawing/2014/main" id="{C64AC250-7BC9-494B-A23F-61F00DD0B09D}"/>
+              </a:ext>
+            </a:extLst>
+          </p:cNvPr>
+          <p:cNvSpPr>
+            <a:spLocks noGrp="1"/>
+          </p:cNvSpPr>
+          <p:nvPr>
+            <p:ph idx="1"/>
+          </p:nvPr>
+        </p:nvSpPr>
+        <p:spPr/>
+        <p:txBody>
+          <a:bodyPr/>
+          <a:lstStyle/>
+          <a:p>
+            <a:r>
+              <a:rPr lang="en-US" altLang="zh-CN" dirty="0"/>
+              <a:t>SASE pulse simulation at NERSC</a:t>
+            </a:r>
+          </a:p>
+          <a:p>
+            <a:r>
+              <a:rPr lang="en-US" altLang="zh-CN" dirty="0"/>
+              <a:t>Thermal deformation</a:t>
+            </a:r>
+          </a:p>
+          <a:p>
+            <a:endParaRPr lang="zh-CN" altLang="en-US" dirty="0"/>
+          </a:p>
+        </p:txBody>
+      </p:sp>
+    </p:spTree>
+    <p:extLst>
+      <p:ext uri="{BB962C8B-B14F-4D97-AF65-F5344CB8AC3E}">
+        <p14:creationId xmlns:p14="http://schemas.microsoft.com/office/powerpoint/2010/main" val="1905349971"/>
+      </p:ext>
+    </p:extLst>
+  </p:cSld>
+  <p:clrMapOvr>
+    <a:masterClrMapping/>
+  </p:clrMapOvr>
+</p:sld>
+</file>
+
 <file path=ppt/slides/slide2.xml><?xml version="1.0" encoding="utf-8"?>
 <p:sld xmlns:a="http://schemas.openxmlformats.org/drawingml/2006/main" xmlns:r="http://schemas.openxmlformats.org/officeDocument/2006/relationships" xmlns:p="http://schemas.openxmlformats.org/presentationml/2006/main">
   <p:cSld>
@@ -4456,6 +4642,12 @@
             <a:r>
               <a:rPr lang="en-US" altLang="zh-CN" dirty="0"/>
               <a:t>Issues</a:t>
+            </a:r>
+          </a:p>
+          <a:p>
+            <a:r>
+              <a:rPr lang="en-US" altLang="zh-CN" dirty="0"/>
+              <a:t>To-do</a:t>
             </a:r>
             <a:endParaRPr lang="zh-CN" altLang="en-US" dirty="0"/>
           </a:p>

--- a/02-24-21_Meeting.pptx
+++ b/02-24-21_Meeting.pptx
@@ -208,7 +208,7 @@
           <a:p>
             <a:fld id="{C641FE20-8F69-4F1A-9FFA-AF460F59BF9D}" type="datetimeFigureOut">
               <a:rPr lang="zh-CN" altLang="en-US" smtClean="0"/>
-              <a:t>2021/2/25</a:t>
+              <a:t>2021/2/26</a:t>
             </a:fld>
             <a:endParaRPr lang="zh-CN" altLang="en-US"/>
           </a:p>
@@ -958,7 +958,7 @@
           <a:p>
             <a:fld id="{399438DF-2BB6-4676-A00A-A6FE608D11F6}" type="datetimeFigureOut">
               <a:rPr lang="zh-CN" altLang="en-US" smtClean="0"/>
-              <a:t>2021/2/25</a:t>
+              <a:t>2021/2/26</a:t>
             </a:fld>
             <a:endParaRPr lang="zh-CN" altLang="en-US"/>
           </a:p>
@@ -1156,7 +1156,7 @@
           <a:p>
             <a:fld id="{399438DF-2BB6-4676-A00A-A6FE608D11F6}" type="datetimeFigureOut">
               <a:rPr lang="zh-CN" altLang="en-US" smtClean="0"/>
-              <a:t>2021/2/25</a:t>
+              <a:t>2021/2/26</a:t>
             </a:fld>
             <a:endParaRPr lang="zh-CN" altLang="en-US"/>
           </a:p>
@@ -1364,7 +1364,7 @@
           <a:p>
             <a:fld id="{399438DF-2BB6-4676-A00A-A6FE608D11F6}" type="datetimeFigureOut">
               <a:rPr lang="zh-CN" altLang="en-US" smtClean="0"/>
-              <a:t>2021/2/25</a:t>
+              <a:t>2021/2/26</a:t>
             </a:fld>
             <a:endParaRPr lang="zh-CN" altLang="en-US"/>
           </a:p>
@@ -1562,7 +1562,7 @@
           <a:p>
             <a:fld id="{399438DF-2BB6-4676-A00A-A6FE608D11F6}" type="datetimeFigureOut">
               <a:rPr lang="zh-CN" altLang="en-US" smtClean="0"/>
-              <a:t>2021/2/25</a:t>
+              <a:t>2021/2/26</a:t>
             </a:fld>
             <a:endParaRPr lang="zh-CN" altLang="en-US"/>
           </a:p>
@@ -1837,7 +1837,7 @@
           <a:p>
             <a:fld id="{399438DF-2BB6-4676-A00A-A6FE608D11F6}" type="datetimeFigureOut">
               <a:rPr lang="zh-CN" altLang="en-US" smtClean="0"/>
-              <a:t>2021/2/25</a:t>
+              <a:t>2021/2/26</a:t>
             </a:fld>
             <a:endParaRPr lang="zh-CN" altLang="en-US"/>
           </a:p>
@@ -2102,7 +2102,7 @@
           <a:p>
             <a:fld id="{399438DF-2BB6-4676-A00A-A6FE608D11F6}" type="datetimeFigureOut">
               <a:rPr lang="zh-CN" altLang="en-US" smtClean="0"/>
-              <a:t>2021/2/25</a:t>
+              <a:t>2021/2/26</a:t>
             </a:fld>
             <a:endParaRPr lang="zh-CN" altLang="en-US"/>
           </a:p>
@@ -2514,7 +2514,7 @@
           <a:p>
             <a:fld id="{399438DF-2BB6-4676-A00A-A6FE608D11F6}" type="datetimeFigureOut">
               <a:rPr lang="zh-CN" altLang="en-US" smtClean="0"/>
-              <a:t>2021/2/25</a:t>
+              <a:t>2021/2/26</a:t>
             </a:fld>
             <a:endParaRPr lang="zh-CN" altLang="en-US"/>
           </a:p>
@@ -2655,7 +2655,7 @@
           <a:p>
             <a:fld id="{399438DF-2BB6-4676-A00A-A6FE608D11F6}" type="datetimeFigureOut">
               <a:rPr lang="zh-CN" altLang="en-US" smtClean="0"/>
-              <a:t>2021/2/25</a:t>
+              <a:t>2021/2/26</a:t>
             </a:fld>
             <a:endParaRPr lang="zh-CN" altLang="en-US"/>
           </a:p>
@@ -2768,7 +2768,7 @@
           <a:p>
             <a:fld id="{399438DF-2BB6-4676-A00A-A6FE608D11F6}" type="datetimeFigureOut">
               <a:rPr lang="zh-CN" altLang="en-US" smtClean="0"/>
-              <a:t>2021/2/25</a:t>
+              <a:t>2021/2/26</a:t>
             </a:fld>
             <a:endParaRPr lang="zh-CN" altLang="en-US"/>
           </a:p>
@@ -3079,7 +3079,7 @@
           <a:p>
             <a:fld id="{399438DF-2BB6-4676-A00A-A6FE608D11F6}" type="datetimeFigureOut">
               <a:rPr lang="zh-CN" altLang="en-US" smtClean="0"/>
-              <a:t>2021/2/25</a:t>
+              <a:t>2021/2/26</a:t>
             </a:fld>
             <a:endParaRPr lang="zh-CN" altLang="en-US"/>
           </a:p>
@@ -3367,7 +3367,7 @@
           <a:p>
             <a:fld id="{399438DF-2BB6-4676-A00A-A6FE608D11F6}" type="datetimeFigureOut">
               <a:rPr lang="zh-CN" altLang="en-US" smtClean="0"/>
-              <a:t>2021/2/25</a:t>
+              <a:t>2021/2/26</a:t>
             </a:fld>
             <a:endParaRPr lang="zh-CN" altLang="en-US"/>
           </a:p>
@@ -3608,7 +3608,7 @@
           <a:p>
             <a:fld id="{399438DF-2BB6-4676-A00A-A6FE608D11F6}" type="datetimeFigureOut">
               <a:rPr lang="zh-CN" altLang="en-US" smtClean="0"/>
-              <a:t>2021/2/25</a:t>
+              <a:t>2021/2/26</a:t>
             </a:fld>
             <a:endParaRPr lang="zh-CN" altLang="en-US"/>
           </a:p>
@@ -4180,7 +4180,7 @@
           <a:p>
             <a:r>
               <a:rPr lang="en-US" altLang="zh-CN" dirty="0"/>
-              <a:t>Issues</a:t>
+              <a:t>In progress</a:t>
             </a:r>
             <a:endParaRPr lang="zh-CN" altLang="en-US" dirty="0"/>
           </a:p>
@@ -4348,7 +4348,7 @@
           <a:p>
             <a:r>
               <a:rPr lang="en-US" altLang="zh-CN" dirty="0"/>
-              <a:t>Issues, output</a:t>
+              <a:t>Stretcher/compressor output</a:t>
             </a:r>
             <a:endParaRPr lang="zh-CN" altLang="en-US" dirty="0"/>
           </a:p>
@@ -4641,7 +4641,7 @@
           <a:p>
             <a:r>
               <a:rPr lang="en-US" altLang="zh-CN" dirty="0"/>
-              <a:t>Issues</a:t>
+              <a:t>In progress</a:t>
             </a:r>
           </a:p>
           <a:p>
@@ -5579,7 +5579,7 @@
                   <a:srgbClr val="FF0000"/>
                 </a:solidFill>
               </a:rPr>
-              <a:t>100fs, 9481eV, one asymmetric reflection (Si 444, 29.5 degree)</a:t>
+              <a:t>100fs, 9481eV, one asymmetric reflection (Si 444, -29.5 degree)</a:t>
             </a:r>
             <a:endParaRPr lang="zh-CN" altLang="en-US" dirty="0">
               <a:solidFill>
